--- a/src/Assets/GAB2017 - Diagrams.pptx
+++ b/src/Assets/GAB2017 - Diagrams.pptx
@@ -4124,7 +4124,31 @@
           <a:p>
             <a:r>
               <a:rPr lang="nb-NO" dirty="0"/>
-              <a:t>Components and data </a:t>
+              <a:t>Global </a:t>
+            </a:r>
+            <a:r>
+              <a:rPr lang="nb-NO" dirty="0" err="1"/>
+              <a:t>Azure</a:t>
+            </a:r>
+            <a:r>
+              <a:rPr lang="nb-NO" dirty="0"/>
+              <a:t> </a:t>
+            </a:r>
+            <a:r>
+              <a:rPr lang="nb-NO" dirty="0" err="1"/>
+              <a:t>Bootcamp</a:t>
+            </a:r>
+            <a:r>
+              <a:rPr lang="nb-NO" dirty="0"/>
+              <a:t> 2017 </a:t>
+            </a:r>
+            <a:r>
+              <a:rPr lang="nb-NO" dirty="0" err="1"/>
+              <a:t>assignment</a:t>
+            </a:r>
+            <a:r>
+              <a:rPr lang="nb-NO" dirty="0"/>
+              <a:t> - Components and data </a:t>
             </a:r>
             <a:r>
               <a:rPr lang="nb-NO" dirty="0" err="1"/>
